--- a/BehaviouralPatterns/BehaviouralPatterns.pptx
+++ b/BehaviouralPatterns/BehaviouralPatterns.pptx
@@ -106,6 +106,11 @@
       </a:defRPr>
     </a:lvl9pPr>
   </p:defaultTextStyle>
+  <p:extLst>
+    <p:ext uri="{EFAFB233-063F-42B5-8137-9DF3F51BA10A}">
+      <p15:sldGuideLst xmlns:p15="http://schemas.microsoft.com/office/powerpoint/2012/main"/>
+    </p:ext>
+  </p:extLst>
 </p:presentation>
 </file>
 
@@ -6334,66 +6339,114 @@
           </a:bodyPr>
           <a:lstStyle/>
           <a:p>
+            <a:pPr marL="457200" indent="-457200">
+              <a:buFont typeface="+mj-lt"/>
+              <a:buAutoNum type="arabicPeriod"/>
+            </a:pPr>
+            <a:r>
+              <a:rPr lang="en-US" b="1" dirty="0"/>
+              <a:t>Iterator</a:t>
+            </a:r>
             <a:r>
               <a:rPr lang="en-US" dirty="0"/>
-              <a:t>Iterator </a:t>
-            </a:r>
-          </a:p>
-          <a:p>
-            <a:r>
-              <a:rPr lang="en-US" dirty="0"/>
+              <a:t> </a:t>
+            </a:r>
+          </a:p>
+          <a:p>
+            <a:pPr marL="457200" indent="-457200">
+              <a:buFont typeface="+mj-lt"/>
+              <a:buAutoNum type="arabicPeriod"/>
+            </a:pPr>
+            <a:r>
+              <a:rPr lang="en-US" b="1" dirty="0"/>
               <a:t>Observer</a:t>
             </a:r>
           </a:p>
           <a:p>
-            <a:r>
-              <a:rPr lang="en-US" dirty="0"/>
+            <a:pPr marL="457200" indent="-457200">
+              <a:buFont typeface="+mj-lt"/>
+              <a:buAutoNum type="arabicPeriod"/>
+            </a:pPr>
+            <a:r>
+              <a:rPr lang="en-US" b="1" dirty="0"/>
               <a:t>Chain of Responsibility</a:t>
             </a:r>
           </a:p>
           <a:p>
+            <a:pPr marL="457200" indent="-457200">
+              <a:buFont typeface="+mj-lt"/>
+              <a:buAutoNum type="arabicPeriod"/>
+            </a:pPr>
             <a:r>
               <a:rPr lang="en-US" dirty="0"/>
               <a:t>Interpreter</a:t>
             </a:r>
           </a:p>
           <a:p>
+            <a:pPr marL="457200" indent="-457200">
+              <a:buFont typeface="+mj-lt"/>
+              <a:buAutoNum type="arabicPeriod"/>
+            </a:pPr>
             <a:r>
               <a:rPr lang="en-US" dirty="0"/>
               <a:t>Command</a:t>
             </a:r>
           </a:p>
           <a:p>
+            <a:pPr marL="457200" indent="-457200">
+              <a:buFont typeface="+mj-lt"/>
+              <a:buAutoNum type="arabicPeriod"/>
+            </a:pPr>
             <a:r>
               <a:rPr lang="en-US" dirty="0"/>
               <a:t>Memento</a:t>
             </a:r>
           </a:p>
           <a:p>
+            <a:pPr marL="457200" indent="-457200">
+              <a:buFont typeface="+mj-lt"/>
+              <a:buAutoNum type="arabicPeriod"/>
+            </a:pPr>
             <a:r>
               <a:rPr lang="en-US" dirty="0"/>
               <a:t>Mediator</a:t>
             </a:r>
           </a:p>
           <a:p>
+            <a:pPr marL="457200" indent="-457200">
+              <a:buFont typeface="+mj-lt"/>
+              <a:buAutoNum type="arabicPeriod"/>
+            </a:pPr>
             <a:r>
               <a:rPr lang="en-US" dirty="0"/>
               <a:t>State</a:t>
             </a:r>
           </a:p>
           <a:p>
+            <a:pPr marL="457200" indent="-457200">
+              <a:buFont typeface="+mj-lt"/>
+              <a:buAutoNum type="arabicPeriod"/>
+            </a:pPr>
             <a:r>
               <a:rPr lang="en-US" dirty="0"/>
               <a:t>Template</a:t>
             </a:r>
           </a:p>
           <a:p>
+            <a:pPr marL="457200" indent="-457200">
+              <a:buFont typeface="+mj-lt"/>
+              <a:buAutoNum type="arabicPeriod"/>
+            </a:pPr>
             <a:r>
               <a:rPr lang="en-US" dirty="0"/>
               <a:t>Strategy</a:t>
             </a:r>
           </a:p>
           <a:p>
+            <a:pPr marL="457200" indent="-457200">
+              <a:buFont typeface="+mj-lt"/>
+              <a:buAutoNum type="arabicPeriod"/>
+            </a:pPr>
             <a:r>
               <a:rPr lang="en-US" dirty="0"/>
               <a:t>Visitor</a:t>

--- a/BehaviouralPatterns/BehaviouralPatterns.pptx
+++ b/BehaviouralPatterns/BehaviouralPatterns.pptx
@@ -300,7 +300,7 @@
           <a:p>
             <a:fld id="{C113A96F-CA36-4AAE-87B3-A89798F3D8E5}" type="datetimeFigureOut">
               <a:rPr lang="en-IN" smtClean="0"/>
-              <a:t>06-04-2024</a:t>
+              <a:t>09-04-2024</a:t>
             </a:fld>
             <a:endParaRPr lang="en-IN"/>
           </a:p>
@@ -575,7 +575,7 @@
           <a:p>
             <a:fld id="{C113A96F-CA36-4AAE-87B3-A89798F3D8E5}" type="datetimeFigureOut">
               <a:rPr lang="en-IN" smtClean="0"/>
-              <a:t>06-04-2024</a:t>
+              <a:t>09-04-2024</a:t>
             </a:fld>
             <a:endParaRPr lang="en-IN"/>
           </a:p>
@@ -769,7 +769,7 @@
           <a:p>
             <a:fld id="{C113A96F-CA36-4AAE-87B3-A89798F3D8E5}" type="datetimeFigureOut">
               <a:rPr lang="en-IN" smtClean="0"/>
-              <a:t>06-04-2024</a:t>
+              <a:t>09-04-2024</a:t>
             </a:fld>
             <a:endParaRPr lang="en-IN"/>
           </a:p>
@@ -1042,7 +1042,7 @@
           <a:p>
             <a:fld id="{C113A96F-CA36-4AAE-87B3-A89798F3D8E5}" type="datetimeFigureOut">
               <a:rPr lang="en-IN" smtClean="0"/>
-              <a:t>06-04-2024</a:t>
+              <a:t>09-04-2024</a:t>
             </a:fld>
             <a:endParaRPr lang="en-IN"/>
           </a:p>
@@ -1383,7 +1383,7 @@
           <a:p>
             <a:fld id="{C113A96F-CA36-4AAE-87B3-A89798F3D8E5}" type="datetimeFigureOut">
               <a:rPr lang="en-IN" smtClean="0"/>
-              <a:t>06-04-2024</a:t>
+              <a:t>09-04-2024</a:t>
             </a:fld>
             <a:endParaRPr lang="en-IN"/>
           </a:p>
@@ -2006,7 +2006,7 @@
           <a:p>
             <a:fld id="{C113A96F-CA36-4AAE-87B3-A89798F3D8E5}" type="datetimeFigureOut">
               <a:rPr lang="en-IN" smtClean="0"/>
-              <a:t>06-04-2024</a:t>
+              <a:t>09-04-2024</a:t>
             </a:fld>
             <a:endParaRPr lang="en-IN"/>
           </a:p>
@@ -2866,7 +2866,7 @@
           <a:p>
             <a:fld id="{C113A96F-CA36-4AAE-87B3-A89798F3D8E5}" type="datetimeFigureOut">
               <a:rPr lang="en-IN" smtClean="0"/>
-              <a:t>06-04-2024</a:t>
+              <a:t>09-04-2024</a:t>
             </a:fld>
             <a:endParaRPr lang="en-IN"/>
           </a:p>
@@ -3036,7 +3036,7 @@
           <a:p>
             <a:fld id="{C113A96F-CA36-4AAE-87B3-A89798F3D8E5}" type="datetimeFigureOut">
               <a:rPr lang="en-IN" smtClean="0"/>
-              <a:t>06-04-2024</a:t>
+              <a:t>09-04-2024</a:t>
             </a:fld>
             <a:endParaRPr lang="en-IN"/>
           </a:p>
@@ -3216,7 +3216,7 @@
           <a:p>
             <a:fld id="{C113A96F-CA36-4AAE-87B3-A89798F3D8E5}" type="datetimeFigureOut">
               <a:rPr lang="en-IN" smtClean="0"/>
-              <a:t>06-04-2024</a:t>
+              <a:t>09-04-2024</a:t>
             </a:fld>
             <a:endParaRPr lang="en-IN"/>
           </a:p>
@@ -3386,7 +3386,7 @@
           <a:p>
             <a:fld id="{C113A96F-CA36-4AAE-87B3-A89798F3D8E5}" type="datetimeFigureOut">
               <a:rPr lang="en-IN" smtClean="0"/>
-              <a:t>06-04-2024</a:t>
+              <a:t>09-04-2024</a:t>
             </a:fld>
             <a:endParaRPr lang="en-IN"/>
           </a:p>
@@ -3633,7 +3633,7 @@
           <a:p>
             <a:fld id="{C113A96F-CA36-4AAE-87B3-A89798F3D8E5}" type="datetimeFigureOut">
               <a:rPr lang="en-IN" smtClean="0"/>
-              <a:t>06-04-2024</a:t>
+              <a:t>09-04-2024</a:t>
             </a:fld>
             <a:endParaRPr lang="en-IN"/>
           </a:p>
@@ -3925,7 +3925,7 @@
           <a:p>
             <a:fld id="{C113A96F-CA36-4AAE-87B3-A89798F3D8E5}" type="datetimeFigureOut">
               <a:rPr lang="en-IN" smtClean="0"/>
-              <a:t>06-04-2024</a:t>
+              <a:t>09-04-2024</a:t>
             </a:fld>
             <a:endParaRPr lang="en-IN"/>
           </a:p>
@@ -4369,7 +4369,7 @@
           <a:p>
             <a:fld id="{C113A96F-CA36-4AAE-87B3-A89798F3D8E5}" type="datetimeFigureOut">
               <a:rPr lang="en-IN" smtClean="0"/>
-              <a:t>06-04-2024</a:t>
+              <a:t>09-04-2024</a:t>
             </a:fld>
             <a:endParaRPr lang="en-IN"/>
           </a:p>
@@ -4487,7 +4487,7 @@
           <a:p>
             <a:fld id="{C113A96F-CA36-4AAE-87B3-A89798F3D8E5}" type="datetimeFigureOut">
               <a:rPr lang="en-IN" smtClean="0"/>
-              <a:t>06-04-2024</a:t>
+              <a:t>09-04-2024</a:t>
             </a:fld>
             <a:endParaRPr lang="en-IN"/>
           </a:p>
@@ -4582,7 +4582,7 @@
           <a:p>
             <a:fld id="{C113A96F-CA36-4AAE-87B3-A89798F3D8E5}" type="datetimeFigureOut">
               <a:rPr lang="en-IN" smtClean="0"/>
-              <a:t>06-04-2024</a:t>
+              <a:t>09-04-2024</a:t>
             </a:fld>
             <a:endParaRPr lang="en-IN"/>
           </a:p>
@@ -4861,7 +4861,7 @@
           <a:p>
             <a:fld id="{C113A96F-CA36-4AAE-87B3-A89798F3D8E5}" type="datetimeFigureOut">
               <a:rPr lang="en-IN" smtClean="0"/>
-              <a:t>06-04-2024</a:t>
+              <a:t>09-04-2024</a:t>
             </a:fld>
             <a:endParaRPr lang="en-IN"/>
           </a:p>
@@ -5136,7 +5136,7 @@
           <a:p>
             <a:fld id="{C113A96F-CA36-4AAE-87B3-A89798F3D8E5}" type="datetimeFigureOut">
               <a:rPr lang="en-IN" smtClean="0"/>
-              <a:t>06-04-2024</a:t>
+              <a:t>09-04-2024</a:t>
             </a:fld>
             <a:endParaRPr lang="en-IN"/>
           </a:p>
@@ -5565,7 +5565,7 @@
           <a:p>
             <a:fld id="{C113A96F-CA36-4AAE-87B3-A89798F3D8E5}" type="datetimeFigureOut">
               <a:rPr lang="en-IN" smtClean="0"/>
-              <a:t>06-04-2024</a:t>
+              <a:t>09-04-2024</a:t>
             </a:fld>
             <a:endParaRPr lang="en-IN"/>
           </a:p>
@@ -6418,7 +6418,7 @@
               <a:buAutoNum type="arabicPeriod"/>
             </a:pPr>
             <a:r>
-              <a:rPr lang="en-US" dirty="0"/>
+              <a:rPr lang="en-US" b="1" dirty="0"/>
               <a:t>State</a:t>
             </a:r>
           </a:p>
@@ -6428,7 +6428,7 @@
               <a:buAutoNum type="arabicPeriod"/>
             </a:pPr>
             <a:r>
-              <a:rPr lang="en-US" dirty="0"/>
+              <a:rPr lang="en-US" b="1" dirty="0"/>
               <a:t>Template</a:t>
             </a:r>
           </a:p>

--- a/BehaviouralPatterns/BehaviouralPatterns.pptx
+++ b/BehaviouralPatterns/BehaviouralPatterns.pptx
@@ -300,7 +300,7 @@
           <a:p>
             <a:fld id="{C113A96F-CA36-4AAE-87B3-A89798F3D8E5}" type="datetimeFigureOut">
               <a:rPr lang="en-IN" smtClean="0"/>
-              <a:t>09-04-2024</a:t>
+              <a:t>10-04-2024</a:t>
             </a:fld>
             <a:endParaRPr lang="en-IN"/>
           </a:p>
@@ -575,7 +575,7 @@
           <a:p>
             <a:fld id="{C113A96F-CA36-4AAE-87B3-A89798F3D8E5}" type="datetimeFigureOut">
               <a:rPr lang="en-IN" smtClean="0"/>
-              <a:t>09-04-2024</a:t>
+              <a:t>10-04-2024</a:t>
             </a:fld>
             <a:endParaRPr lang="en-IN"/>
           </a:p>
@@ -769,7 +769,7 @@
           <a:p>
             <a:fld id="{C113A96F-CA36-4AAE-87B3-A89798F3D8E5}" type="datetimeFigureOut">
               <a:rPr lang="en-IN" smtClean="0"/>
-              <a:t>09-04-2024</a:t>
+              <a:t>10-04-2024</a:t>
             </a:fld>
             <a:endParaRPr lang="en-IN"/>
           </a:p>
@@ -1042,7 +1042,7 @@
           <a:p>
             <a:fld id="{C113A96F-CA36-4AAE-87B3-A89798F3D8E5}" type="datetimeFigureOut">
               <a:rPr lang="en-IN" smtClean="0"/>
-              <a:t>09-04-2024</a:t>
+              <a:t>10-04-2024</a:t>
             </a:fld>
             <a:endParaRPr lang="en-IN"/>
           </a:p>
@@ -1383,7 +1383,7 @@
           <a:p>
             <a:fld id="{C113A96F-CA36-4AAE-87B3-A89798F3D8E5}" type="datetimeFigureOut">
               <a:rPr lang="en-IN" smtClean="0"/>
-              <a:t>09-04-2024</a:t>
+              <a:t>10-04-2024</a:t>
             </a:fld>
             <a:endParaRPr lang="en-IN"/>
           </a:p>
@@ -2006,7 +2006,7 @@
           <a:p>
             <a:fld id="{C113A96F-CA36-4AAE-87B3-A89798F3D8E5}" type="datetimeFigureOut">
               <a:rPr lang="en-IN" smtClean="0"/>
-              <a:t>09-04-2024</a:t>
+              <a:t>10-04-2024</a:t>
             </a:fld>
             <a:endParaRPr lang="en-IN"/>
           </a:p>
@@ -2866,7 +2866,7 @@
           <a:p>
             <a:fld id="{C113A96F-CA36-4AAE-87B3-A89798F3D8E5}" type="datetimeFigureOut">
               <a:rPr lang="en-IN" smtClean="0"/>
-              <a:t>09-04-2024</a:t>
+              <a:t>10-04-2024</a:t>
             </a:fld>
             <a:endParaRPr lang="en-IN"/>
           </a:p>
@@ -3036,7 +3036,7 @@
           <a:p>
             <a:fld id="{C113A96F-CA36-4AAE-87B3-A89798F3D8E5}" type="datetimeFigureOut">
               <a:rPr lang="en-IN" smtClean="0"/>
-              <a:t>09-04-2024</a:t>
+              <a:t>10-04-2024</a:t>
             </a:fld>
             <a:endParaRPr lang="en-IN"/>
           </a:p>
@@ -3216,7 +3216,7 @@
           <a:p>
             <a:fld id="{C113A96F-CA36-4AAE-87B3-A89798F3D8E5}" type="datetimeFigureOut">
               <a:rPr lang="en-IN" smtClean="0"/>
-              <a:t>09-04-2024</a:t>
+              <a:t>10-04-2024</a:t>
             </a:fld>
             <a:endParaRPr lang="en-IN"/>
           </a:p>
@@ -3386,7 +3386,7 @@
           <a:p>
             <a:fld id="{C113A96F-CA36-4AAE-87B3-A89798F3D8E5}" type="datetimeFigureOut">
               <a:rPr lang="en-IN" smtClean="0"/>
-              <a:t>09-04-2024</a:t>
+              <a:t>10-04-2024</a:t>
             </a:fld>
             <a:endParaRPr lang="en-IN"/>
           </a:p>
@@ -3633,7 +3633,7 @@
           <a:p>
             <a:fld id="{C113A96F-CA36-4AAE-87B3-A89798F3D8E5}" type="datetimeFigureOut">
               <a:rPr lang="en-IN" smtClean="0"/>
-              <a:t>09-04-2024</a:t>
+              <a:t>10-04-2024</a:t>
             </a:fld>
             <a:endParaRPr lang="en-IN"/>
           </a:p>
@@ -3925,7 +3925,7 @@
           <a:p>
             <a:fld id="{C113A96F-CA36-4AAE-87B3-A89798F3D8E5}" type="datetimeFigureOut">
               <a:rPr lang="en-IN" smtClean="0"/>
-              <a:t>09-04-2024</a:t>
+              <a:t>10-04-2024</a:t>
             </a:fld>
             <a:endParaRPr lang="en-IN"/>
           </a:p>
@@ -4369,7 +4369,7 @@
           <a:p>
             <a:fld id="{C113A96F-CA36-4AAE-87B3-A89798F3D8E5}" type="datetimeFigureOut">
               <a:rPr lang="en-IN" smtClean="0"/>
-              <a:t>09-04-2024</a:t>
+              <a:t>10-04-2024</a:t>
             </a:fld>
             <a:endParaRPr lang="en-IN"/>
           </a:p>
@@ -4487,7 +4487,7 @@
           <a:p>
             <a:fld id="{C113A96F-CA36-4AAE-87B3-A89798F3D8E5}" type="datetimeFigureOut">
               <a:rPr lang="en-IN" smtClean="0"/>
-              <a:t>09-04-2024</a:t>
+              <a:t>10-04-2024</a:t>
             </a:fld>
             <a:endParaRPr lang="en-IN"/>
           </a:p>
@@ -4582,7 +4582,7 @@
           <a:p>
             <a:fld id="{C113A96F-CA36-4AAE-87B3-A89798F3D8E5}" type="datetimeFigureOut">
               <a:rPr lang="en-IN" smtClean="0"/>
-              <a:t>09-04-2024</a:t>
+              <a:t>10-04-2024</a:t>
             </a:fld>
             <a:endParaRPr lang="en-IN"/>
           </a:p>
@@ -4861,7 +4861,7 @@
           <a:p>
             <a:fld id="{C113A96F-CA36-4AAE-87B3-A89798F3D8E5}" type="datetimeFigureOut">
               <a:rPr lang="en-IN" smtClean="0"/>
-              <a:t>09-04-2024</a:t>
+              <a:t>10-04-2024</a:t>
             </a:fld>
             <a:endParaRPr lang="en-IN"/>
           </a:p>
@@ -5136,7 +5136,7 @@
           <a:p>
             <a:fld id="{C113A96F-CA36-4AAE-87B3-A89798F3D8E5}" type="datetimeFigureOut">
               <a:rPr lang="en-IN" smtClean="0"/>
-              <a:t>09-04-2024</a:t>
+              <a:t>10-04-2024</a:t>
             </a:fld>
             <a:endParaRPr lang="en-IN"/>
           </a:p>
@@ -5565,7 +5565,7 @@
           <a:p>
             <a:fld id="{C113A96F-CA36-4AAE-87B3-A89798F3D8E5}" type="datetimeFigureOut">
               <a:rPr lang="en-IN" smtClean="0"/>
-              <a:t>09-04-2024</a:t>
+              <a:t>10-04-2024</a:t>
             </a:fld>
             <a:endParaRPr lang="en-IN"/>
           </a:p>
@@ -6438,7 +6438,7 @@
               <a:buAutoNum type="arabicPeriod"/>
             </a:pPr>
             <a:r>
-              <a:rPr lang="en-US" dirty="0"/>
+              <a:rPr lang="en-US" b="1" dirty="0"/>
               <a:t>Strategy</a:t>
             </a:r>
           </a:p>

--- a/BehaviouralPatterns/BehaviouralPatterns.pptx
+++ b/BehaviouralPatterns/BehaviouralPatterns.pptx
@@ -6378,7 +6378,7 @@
               <a:buAutoNum type="arabicPeriod"/>
             </a:pPr>
             <a:r>
-              <a:rPr lang="en-US" dirty="0"/>
+              <a:rPr lang="en-US" b="1" dirty="0"/>
               <a:t>Interpreter</a:t>
             </a:r>
           </a:p>

--- a/BehaviouralPatterns/BehaviouralPatterns.pptx
+++ b/BehaviouralPatterns/BehaviouralPatterns.pptx
@@ -6408,7 +6408,7 @@
               <a:buAutoNum type="arabicPeriod"/>
             </a:pPr>
             <a:r>
-              <a:rPr lang="en-US" dirty="0"/>
+              <a:rPr lang="en-US" b="1" dirty="0"/>
               <a:t>Mediator</a:t>
             </a:r>
           </a:p>

--- a/BehaviouralPatterns/BehaviouralPatterns.pptx
+++ b/BehaviouralPatterns/BehaviouralPatterns.pptx
@@ -6388,7 +6388,7 @@
               <a:buAutoNum type="arabicPeriod"/>
             </a:pPr>
             <a:r>
-              <a:rPr lang="en-US" dirty="0"/>
+              <a:rPr lang="en-US" b="1" dirty="0"/>
               <a:t>Command</a:t>
             </a:r>
           </a:p>

--- a/BehaviouralPatterns/BehaviouralPatterns.pptx
+++ b/BehaviouralPatterns/BehaviouralPatterns.pptx
@@ -6398,7 +6398,7 @@
               <a:buAutoNum type="arabicPeriod"/>
             </a:pPr>
             <a:r>
-              <a:rPr lang="en-US" dirty="0"/>
+              <a:rPr lang="en-US" b="1" dirty="0"/>
               <a:t>Memento</a:t>
             </a:r>
           </a:p>

--- a/BehaviouralPatterns/BehaviouralPatterns.pptx
+++ b/BehaviouralPatterns/BehaviouralPatterns.pptx
@@ -6448,10 +6448,10 @@
               <a:buAutoNum type="arabicPeriod"/>
             </a:pPr>
             <a:r>
-              <a:rPr lang="en-US" dirty="0"/>
+              <a:rPr lang="en-US" b="1" dirty="0"/>
               <a:t>Visitor</a:t>
             </a:r>
-            <a:endParaRPr lang="en-IN" dirty="0"/>
+            <a:endParaRPr lang="en-IN" b="1" dirty="0"/>
           </a:p>
         </p:txBody>
       </p:sp>
